--- a/presentation/Presentation.pptx
+++ b/presentation/Presentation.pptx
@@ -270,15 +270,6 @@
     </p:ext>
   </p:extLst>
 </p:presentation>
-</file>
-
-<file path=ppt/revisionInfo.xml><?xml version="1.0" encoding="utf-8"?>
-<p1510:revInfo xmlns:a="http://schemas.openxmlformats.org/drawingml/2006/main" xmlns:r="http://schemas.openxmlformats.org/officeDocument/2006/relationships" xmlns:p1510="http://schemas.microsoft.com/office/powerpoint/2015/10/main">
-  <p1510:revLst>
-    <p1510:client id="{02AD3D21-A28C-E54F-84C2-16FF7841B224}" v="4091" dt="2023-09-26T14:07:12.352"/>
-    <p1510:client id="{9DB0D355-7D27-7542-AD41-7109127A141D}" v="145" dt="2023-09-26T16:33:09.024"/>
-  </p1510:revLst>
-</p1510:revInfo>
 </file>
 
 <file path=ppt/notesMasters/notesMaster1.xml><?xml version="1.0" encoding="utf-8"?>
@@ -26666,8 +26657,8 @@
           </a:p>
         </p:txBody>
       </p:sp>
-      <mc:AlternateContent xmlns:mc="http://schemas.openxmlformats.org/markup-compatibility/2006">
-        <mc:Choice xmlns:a14="http://schemas.microsoft.com/office/drawing/2010/main" Requires="a14">
+      <mc:AlternateContent xmlns:mc="http://schemas.openxmlformats.org/markup-compatibility/2006" xmlns:a14="http://schemas.microsoft.com/office/drawing/2010/main">
+        <mc:Choice Requires="a14">
           <p:sp>
             <p:nvSpPr>
               <p:cNvPr id="8" name="CasellaDiTesto 7">
@@ -26814,7 +26805,7 @@
                     </m:oMath>
                   </m:oMathPara>
                 </a14:m>
-                <a:endParaRPr lang="en-GB" sz="2000" b="1">
+                <a:endParaRPr lang="en-GB" sz="2000" b="1" dirty="0">
                   <a:solidFill>
                     <a:schemeClr val="accent6"/>
                   </a:solidFill>
@@ -26823,7 +26814,7 @@
             </p:txBody>
           </p:sp>
         </mc:Choice>
-        <mc:Fallback>
+        <mc:Fallback xmlns="">
           <p:sp>
             <p:nvSpPr>
               <p:cNvPr id="8" name="CasellaDiTesto 7">
@@ -26849,7 +26840,7 @@
               <a:blipFill>
                 <a:blip r:embed="rId3"/>
                 <a:stretch>
-                  <a:fillRect b="-5556"/>
+                  <a:fillRect/>
                 </a:stretch>
               </a:blipFill>
             </p:spPr>
@@ -27219,8 +27210,8 @@
           </a:p>
         </p:txBody>
       </p:sp>
-      <mc:AlternateContent xmlns:mc="http://schemas.openxmlformats.org/markup-compatibility/2006">
-        <mc:Choice xmlns:a14="http://schemas.microsoft.com/office/drawing/2010/main" Requires="a14">
+      <mc:AlternateContent xmlns:mc="http://schemas.openxmlformats.org/markup-compatibility/2006" xmlns:a14="http://schemas.microsoft.com/office/drawing/2010/main">
+        <mc:Choice Requires="a14">
           <p:sp>
             <p:nvSpPr>
               <p:cNvPr id="8" name="CasellaDiTesto 7">
@@ -27371,7 +27362,7 @@
             </p:txBody>
           </p:sp>
         </mc:Choice>
-        <mc:Fallback>
+        <mc:Fallback xmlns="">
           <p:sp>
             <p:nvSpPr>
               <p:cNvPr id="8" name="CasellaDiTesto 7">
@@ -27397,7 +27388,7 @@
               <a:blipFill>
                 <a:blip r:embed="rId3"/>
                 <a:stretch>
-                  <a:fillRect b="-10714"/>
+                  <a:fillRect b="-8696"/>
                 </a:stretch>
               </a:blipFill>
             </p:spPr>
@@ -27725,8 +27716,8 @@
           </a:p>
         </p:txBody>
       </p:sp>
-      <mc:AlternateContent xmlns:mc="http://schemas.openxmlformats.org/markup-compatibility/2006">
-        <mc:Choice xmlns:a14="http://schemas.microsoft.com/office/drawing/2010/main" Requires="a14">
+      <mc:AlternateContent xmlns:mc="http://schemas.openxmlformats.org/markup-compatibility/2006" xmlns:a14="http://schemas.microsoft.com/office/drawing/2010/main">
+        <mc:Choice Requires="a14">
           <p:sp>
             <p:nvSpPr>
               <p:cNvPr id="8" name="CasellaDiTesto 7">
@@ -27877,7 +27868,7 @@
             </p:txBody>
           </p:sp>
         </mc:Choice>
-        <mc:Fallback>
+        <mc:Fallback xmlns="">
           <p:sp>
             <p:nvSpPr>
               <p:cNvPr id="8" name="CasellaDiTesto 7">
@@ -27903,7 +27894,7 @@
               <a:blipFill>
                 <a:blip r:embed="rId2"/>
                 <a:stretch>
-                  <a:fillRect b="-10714"/>
+                  <a:fillRect/>
                 </a:stretch>
               </a:blipFill>
             </p:spPr>
@@ -28273,8 +28264,8 @@
           </a:p>
         </p:txBody>
       </p:sp>
-      <mc:AlternateContent xmlns:mc="http://schemas.openxmlformats.org/markup-compatibility/2006">
-        <mc:Choice xmlns:a14="http://schemas.microsoft.com/office/drawing/2010/main" Requires="a14">
+      <mc:AlternateContent xmlns:mc="http://schemas.openxmlformats.org/markup-compatibility/2006" xmlns:a14="http://schemas.microsoft.com/office/drawing/2010/main">
+        <mc:Choice Requires="a14">
           <p:sp>
             <p:nvSpPr>
               <p:cNvPr id="8" name="CasellaDiTesto 7">
@@ -28353,7 +28344,7 @@
             </p:txBody>
           </p:sp>
         </mc:Choice>
-        <mc:Fallback>
+        <mc:Fallback xmlns="">
           <p:sp>
             <p:nvSpPr>
               <p:cNvPr id="8" name="CasellaDiTesto 7">
@@ -28379,7 +28370,7 @@
               <a:blipFill>
                 <a:blip r:embed="rId2"/>
                 <a:stretch>
-                  <a:fillRect b="-18750"/>
+                  <a:fillRect/>
                 </a:stretch>
               </a:blipFill>
             </p:spPr>
@@ -28504,7 +28495,7 @@
               </a:buClr>
             </a:pPr>
             <a:r>
-              <a:rPr lang="en-US" sz="2400">
+              <a:rPr lang="en-US" sz="2400" dirty="0">
                 <a:solidFill>
                   <a:schemeClr val="accent6"/>
                 </a:solidFill>
@@ -28513,7 +28504,7 @@
               </a:rPr>
               <a:t>Is the rating score influenced by the user?</a:t>
             </a:r>
-            <a:endParaRPr lang="en-GB" sz="2400">
+            <a:endParaRPr lang="en-GB" sz="2400" dirty="0">
               <a:solidFill>
                 <a:schemeClr val="accent6"/>
               </a:solidFill>
@@ -28664,8 +28655,8 @@
           </a:effectLst>
         </p:spPr>
       </p:pic>
-      <mc:AlternateContent xmlns:mc="http://schemas.openxmlformats.org/markup-compatibility/2006">
-        <mc:Choice xmlns:a14="http://schemas.microsoft.com/office/drawing/2010/main" Requires="a14">
+      <mc:AlternateContent xmlns:mc="http://schemas.openxmlformats.org/markup-compatibility/2006" xmlns:a14="http://schemas.microsoft.com/office/drawing/2010/main">
+        <mc:Choice Requires="a14">
           <p:sp>
             <p:nvSpPr>
               <p:cNvPr id="5" name="CasellaDiTesto 4">
@@ -28816,7 +28807,7 @@
             </p:txBody>
           </p:sp>
         </mc:Choice>
-        <mc:Fallback>
+        <mc:Fallback xmlns="">
           <p:sp>
             <p:nvSpPr>
               <p:cNvPr id="5" name="CasellaDiTesto 4">
@@ -28842,7 +28833,7 @@
               <a:blipFill>
                 <a:blip r:embed="rId4"/>
                 <a:stretch>
-                  <a:fillRect b="-10526"/>
+                  <a:fillRect/>
                 </a:stretch>
               </a:blipFill>
             </p:spPr>
@@ -28946,8 +28937,8 @@
           </a:p>
         </p:txBody>
       </p:sp>
-      <mc:AlternateContent xmlns:mc="http://schemas.openxmlformats.org/markup-compatibility/2006">
-        <mc:Choice xmlns:a14="http://schemas.microsoft.com/office/drawing/2010/main" Requires="a14">
+      <mc:AlternateContent xmlns:mc="http://schemas.openxmlformats.org/markup-compatibility/2006" xmlns:a14="http://schemas.microsoft.com/office/drawing/2010/main">
+        <mc:Choice Requires="a14">
           <p:sp>
             <p:nvSpPr>
               <p:cNvPr id="8" name="CasellaDiTesto 7">
@@ -29026,7 +29017,7 @@
             </p:txBody>
           </p:sp>
         </mc:Choice>
-        <mc:Fallback>
+        <mc:Fallback xmlns="">
           <p:sp>
             <p:nvSpPr>
               <p:cNvPr id="8" name="CasellaDiTesto 7">
@@ -29052,7 +29043,7 @@
               <a:blipFill>
                 <a:blip r:embed="rId2"/>
                 <a:stretch>
-                  <a:fillRect b="-18750"/>
+                  <a:fillRect/>
                 </a:stretch>
               </a:blipFill>
             </p:spPr>
@@ -29292,8 +29283,8 @@
           </a:p>
         </p:txBody>
       </p:sp>
-      <mc:AlternateContent xmlns:mc="http://schemas.openxmlformats.org/markup-compatibility/2006">
-        <mc:Choice xmlns:a14="http://schemas.microsoft.com/office/drawing/2010/main" Requires="a14">
+      <mc:AlternateContent xmlns:mc="http://schemas.openxmlformats.org/markup-compatibility/2006" xmlns:a14="http://schemas.microsoft.com/office/drawing/2010/main">
+        <mc:Choice Requires="a14">
           <p:sp>
             <p:nvSpPr>
               <p:cNvPr id="5" name="CasellaDiTesto 4">
@@ -29444,7 +29435,7 @@
             </p:txBody>
           </p:sp>
         </mc:Choice>
-        <mc:Fallback>
+        <mc:Fallback xmlns="">
           <p:sp>
             <p:nvSpPr>
               <p:cNvPr id="5" name="CasellaDiTesto 4">
@@ -29470,7 +29461,7 @@
               <a:blipFill>
                 <a:blip r:embed="rId3"/>
                 <a:stretch>
-                  <a:fillRect b="-10714"/>
+                  <a:fillRect/>
                 </a:stretch>
               </a:blipFill>
             </p:spPr>
@@ -29722,16 +29713,16 @@
               </a:buClr>
             </a:pPr>
             <a:r>
-              <a:rPr lang="en-US" sz="2400">
+              <a:rPr lang="en-US" sz="2400" dirty="0">
                 <a:solidFill>
                   <a:schemeClr val="accent6"/>
                 </a:solidFill>
                 <a:latin typeface="Consolas" panose="020B0609020204030204" pitchFamily="49" charset="0"/>
                 <a:cs typeface="Consolas" panose="020B0609020204030204" pitchFamily="49" charset="0"/>
               </a:rPr>
-              <a:t>Is there correlation between the number of books by a publisher and the review score?</a:t>
-            </a:r>
-            <a:endParaRPr lang="en-GB" sz="2400">
+              <a:t>Is there correlation between the number of books of a publisher and the review score?</a:t>
+            </a:r>
+            <a:endParaRPr lang="en-GB" sz="2400" dirty="0">
               <a:solidFill>
                 <a:schemeClr val="accent6"/>
               </a:solidFill>
@@ -29775,7 +29766,7 @@
               <a:buChar char="•"/>
             </a:pPr>
             <a:r>
-              <a:rPr lang="en-GB" sz="1800">
+              <a:rPr lang="en-GB" sz="1800" dirty="0">
                 <a:solidFill>
                   <a:schemeClr val="accent6"/>
                 </a:solidFill>
@@ -29783,7 +29774,7 @@
               </a:rPr>
               <a:t>Spearman’s: -0.067</a:t>
             </a:r>
-            <a:endParaRPr lang="en-GB" sz="1800" b="0" i="0">
+            <a:endParaRPr lang="en-GB" sz="1800" b="0" i="0" dirty="0">
               <a:solidFill>
                 <a:schemeClr val="accent6"/>
               </a:solidFill>
@@ -29797,7 +29788,7 @@
                 <a:schemeClr val="accent1"/>
               </a:buClr>
             </a:pPr>
-            <a:endParaRPr lang="en-GB" sz="1800">
+            <a:endParaRPr lang="en-GB" sz="1800" dirty="0">
               <a:solidFill>
                 <a:schemeClr val="accent6"/>
               </a:solidFill>
@@ -29813,7 +29804,7 @@
               <a:buChar char="•"/>
             </a:pPr>
             <a:r>
-              <a:rPr lang="en-GB" sz="1800" b="0" i="0">
+              <a:rPr lang="en-GB" sz="1800" b="0" i="0" dirty="0">
                 <a:solidFill>
                   <a:schemeClr val="accent6"/>
                 </a:solidFill>
@@ -29825,8 +29816,8 @@
           </a:p>
         </p:txBody>
       </p:sp>
-      <mc:AlternateContent xmlns:mc="http://schemas.openxmlformats.org/markup-compatibility/2006">
-        <mc:Choice xmlns:a14="http://schemas.microsoft.com/office/drawing/2010/main" Requires="a14">
+      <mc:AlternateContent xmlns:mc="http://schemas.openxmlformats.org/markup-compatibility/2006" xmlns:a14="http://schemas.microsoft.com/office/drawing/2010/main">
+        <mc:Choice Requires="a14">
           <p:sp>
             <p:nvSpPr>
               <p:cNvPr id="5" name="CasellaDiTesto 4">
@@ -29977,7 +29968,7 @@
             </p:txBody>
           </p:sp>
         </mc:Choice>
-        <mc:Fallback>
+        <mc:Fallback xmlns="">
           <p:sp>
             <p:nvSpPr>
               <p:cNvPr id="5" name="CasellaDiTesto 4">
@@ -30003,7 +29994,7 @@
               <a:blipFill>
                 <a:blip r:embed="rId2"/>
                 <a:stretch>
-                  <a:fillRect b="-10714"/>
+                  <a:fillRect/>
                 </a:stretch>
               </a:blipFill>
             </p:spPr>
@@ -30325,8 +30316,8 @@
             </a:p>
           </p:txBody>
         </p:sp>
-        <mc:AlternateContent xmlns:mc="http://schemas.openxmlformats.org/markup-compatibility/2006">
-          <mc:Choice xmlns:a14="http://schemas.microsoft.com/office/drawing/2010/main" Requires="a14">
+        <mc:AlternateContent xmlns:mc="http://schemas.openxmlformats.org/markup-compatibility/2006" xmlns:a14="http://schemas.microsoft.com/office/drawing/2010/main">
+          <mc:Choice Requires="a14">
             <p:sp>
               <p:nvSpPr>
                 <p:cNvPr id="5" name="CasellaDiTesto 4">
@@ -30423,7 +30414,7 @@
               </p:txBody>
             </p:sp>
           </mc:Choice>
-          <mc:Fallback>
+          <mc:Fallback xmlns="">
             <p:sp>
               <p:nvSpPr>
                 <p:cNvPr id="5" name="CasellaDiTesto 4">
@@ -30449,7 +30440,7 @@
                 <a:blipFill>
                   <a:blip r:embed="rId3"/>
                   <a:stretch>
-                    <a:fillRect l="-1282" r="-1282" b="-21622"/>
+                    <a:fillRect l="-1389" r="-1543" b="-21053"/>
                   </a:stretch>
                 </a:blipFill>
               </p:spPr>
@@ -35277,7 +35268,7 @@
               </a:buClr>
             </a:pPr>
             <a:r>
-              <a:rPr lang="en-US" sz="2400" b="1">
+              <a:rPr lang="en-US" sz="2400" b="1" dirty="0">
                 <a:solidFill>
                   <a:schemeClr val="accent1"/>
                 </a:solidFill>
@@ -35286,7 +35277,7 @@
               </a:rPr>
               <a:t>Trained Models</a:t>
             </a:r>
-            <a:endParaRPr lang="en-US" sz="2400" b="1">
+            <a:endParaRPr lang="en-US" sz="2400" b="1" dirty="0">
               <a:solidFill>
                 <a:schemeClr val="accent1"/>
               </a:solidFill>
@@ -35301,7 +35292,7 @@
                 <a:schemeClr val="accent6"/>
               </a:buClr>
             </a:pPr>
-            <a:endParaRPr lang="en-US" sz="1600" b="1">
+            <a:endParaRPr lang="en-US" sz="1600" b="1" dirty="0">
               <a:solidFill>
                 <a:schemeClr val="accent1"/>
               </a:solidFill>
@@ -35319,7 +35310,7 @@
               <a:buChar char="•"/>
             </a:pPr>
             <a:r>
-              <a:rPr lang="en-US" sz="1600">
+              <a:rPr lang="en-US" sz="1600" dirty="0">
                 <a:solidFill>
                   <a:srgbClr val="92D050"/>
                 </a:solidFill>
@@ -35338,7 +35329,7 @@
               <a:buFont typeface="Arial" panose="020B0604020202020204" pitchFamily="34" charset="0"/>
               <a:buChar char="•"/>
             </a:pPr>
-            <a:endParaRPr lang="en-US" sz="1600">
+            <a:endParaRPr lang="en-US" sz="1600" dirty="0">
               <a:solidFill>
                 <a:schemeClr val="accent1"/>
               </a:solidFill>
@@ -35356,7 +35347,7 @@
               <a:buChar char="•"/>
             </a:pPr>
             <a:r>
-              <a:rPr lang="en-US" sz="1600">
+              <a:rPr lang="en-US" sz="1600" dirty="0">
                 <a:solidFill>
                   <a:srgbClr val="FF0000"/>
                 </a:solidFill>
@@ -35375,7 +35366,7 @@
               <a:buFont typeface="Arial" panose="020B0604020202020204" pitchFamily="34" charset="0"/>
               <a:buChar char="•"/>
             </a:pPr>
-            <a:endParaRPr lang="en-US" sz="1600">
+            <a:endParaRPr lang="en-US" sz="1600" dirty="0">
               <a:solidFill>
                 <a:schemeClr val="accent1"/>
               </a:solidFill>
@@ -35393,7 +35384,7 @@
               <a:buChar char="•"/>
             </a:pPr>
             <a:r>
-              <a:rPr lang="en-US" sz="1600">
+              <a:rPr lang="en-US" sz="1600" dirty="0">
                 <a:solidFill>
                   <a:srgbClr val="FF0000"/>
                 </a:solidFill>
@@ -35404,7 +35395,7 @@
               <a:t>MLP </a:t>
             </a:r>
             <a:r>
-              <a:rPr lang="en-US" sz="1600">
+              <a:rPr lang="en-US" sz="1600" dirty="0">
                 <a:solidFill>
                   <a:schemeClr val="accent6"/>
                 </a:solidFill>
@@ -35423,7 +35414,7 @@
               <a:buFont typeface="Arial" panose="020B0604020202020204" pitchFamily="34" charset="0"/>
               <a:buChar char="•"/>
             </a:pPr>
-            <a:endParaRPr lang="en-US" sz="1600">
+            <a:endParaRPr lang="en-US" sz="1600" dirty="0">
               <a:solidFill>
                 <a:schemeClr val="accent1"/>
               </a:solidFill>
@@ -35439,7 +35430,7 @@
               </a:buClr>
             </a:pPr>
             <a:r>
-              <a:rPr lang="en-US" sz="1800" b="1" i="1">
+              <a:rPr lang="en-US" sz="1800" b="1" i="1" dirty="0" err="1">
                 <a:solidFill>
                   <a:schemeClr val="accent1"/>
                 </a:solidFill>
@@ -35450,7 +35441,7 @@
               <a:t>GridSearchCV</a:t>
             </a:r>
             <a:r>
-              <a:rPr lang="en-US" sz="1600">
+              <a:rPr lang="en-US" sz="1600" dirty="0">
                 <a:solidFill>
                   <a:schemeClr val="accent1"/>
                 </a:solidFill>
@@ -35461,7 +35452,7 @@
               <a:t> </a:t>
             </a:r>
             <a:r>
-              <a:rPr lang="en-US" sz="1600">
+              <a:rPr lang="en-US" sz="1600" dirty="0">
                 <a:solidFill>
                   <a:schemeClr val="accent1"/>
                 </a:solidFill>
@@ -35472,7 +35463,7 @@
               <a:t> </a:t>
             </a:r>
             <a:r>
-              <a:rPr lang="en-US" sz="1600">
+              <a:rPr lang="en-US" sz="1600" dirty="0">
                 <a:solidFill>
                   <a:schemeClr val="accent1"/>
                 </a:solidFill>
@@ -35482,7 +35473,7 @@
               </a:rPr>
               <a:t>Hyperparameters selection</a:t>
             </a:r>
-            <a:endParaRPr lang="en-US" sz="1600" b="0" i="1">
+            <a:endParaRPr lang="en-US" sz="1600" b="0" i="1" dirty="0">
               <a:solidFill>
                 <a:schemeClr val="accent6"/>
               </a:solidFill>
@@ -35498,7 +35489,7 @@
               <a:buFont typeface="Arial" panose="020B0604020202020204" pitchFamily="34" charset="0"/>
               <a:buChar char="•"/>
             </a:pPr>
-            <a:endParaRPr lang="en-GB">
+            <a:endParaRPr lang="en-GB" dirty="0">
               <a:solidFill>
                 <a:schemeClr val="accent6"/>
               </a:solidFill>
@@ -35548,8 +35539,8 @@
           </a:effectLst>
         </p:spPr>
       </p:pic>
-      <mc:AlternateContent xmlns:mc="http://schemas.openxmlformats.org/markup-compatibility/2006">
-        <mc:Choice xmlns:a14="http://schemas.microsoft.com/office/drawing/2010/main" Requires="a14">
+      <mc:AlternateContent xmlns:mc="http://schemas.openxmlformats.org/markup-compatibility/2006" xmlns:a14="http://schemas.microsoft.com/office/drawing/2010/main">
+        <mc:Choice Requires="a14">
           <p:graphicFrame>
             <p:nvGraphicFramePr>
               <p:cNvPr id="5" name="Tabella 7">
@@ -37001,7 +36992,7 @@
             </a:graphic>
           </p:graphicFrame>
         </mc:Choice>
-        <mc:Fallback>
+        <mc:Fallback xmlns="">
           <p:graphicFrame>
             <p:nvGraphicFramePr>
               <p:cNvPr id="5" name="Tabella 7">
@@ -37299,7 +37290,7 @@
                         <a:bodyPr/>
                         <a:lstStyle/>
                         <a:p>
-                          <a:endParaRPr lang="it-IT"/>
+                          <a:endParaRPr lang="en-US"/>
                         </a:p>
                       </a:txBody>
                       <a:tcPr>
@@ -37354,7 +37345,7 @@
                         <a:blipFill>
                           <a:blip r:embed="rId4"/>
                           <a:stretch>
-                            <a:fillRect l="-301695" t="-3704" r="-1695" b="-248148"/>
+                            <a:fillRect l="-300000" t="-7273" r="-1626" b="-256364"/>
                           </a:stretch>
                         </a:blipFill>
                       </a:tcPr>
@@ -38864,8 +38855,8 @@
           </a:effectLst>
         </p:spPr>
       </p:pic>
-      <mc:AlternateContent xmlns:mc="http://schemas.openxmlformats.org/markup-compatibility/2006">
-        <mc:Choice xmlns:a14="http://schemas.microsoft.com/office/drawing/2010/main" Requires="a14">
+      <mc:AlternateContent xmlns:mc="http://schemas.openxmlformats.org/markup-compatibility/2006" xmlns:a14="http://schemas.microsoft.com/office/drawing/2010/main">
+        <mc:Choice Requires="a14">
           <p:sp>
             <p:nvSpPr>
               <p:cNvPr id="5" name="CasellaDiTesto 4">
@@ -39050,7 +39041,7 @@
             </p:txBody>
           </p:sp>
         </mc:Choice>
-        <mc:Fallback>
+        <mc:Fallback xmlns="">
           <p:sp>
             <p:nvSpPr>
               <p:cNvPr id="5" name="CasellaDiTesto 4">
@@ -42327,8 +42318,8 @@
         </p:nvSpPr>
         <p:spPr>
           <a:xfrm>
-            <a:off x="481175" y="1838614"/>
-            <a:ext cx="4117958" cy="3507343"/>
+            <a:off x="601248" y="2220158"/>
+            <a:ext cx="4117958" cy="2417683"/>
           </a:xfrm>
           <a:prstGeom prst="roundRect">
             <a:avLst/>
@@ -42373,21 +42364,19 @@
               </a:buClr>
             </a:pPr>
             <a:r>
-              <a:rPr lang="en-US" sz="2400" b="1">
+              <a:rPr lang="en-US" sz="2400" b="1" dirty="0">
                 <a:solidFill>
                   <a:schemeClr val="accent1"/>
                 </a:solidFill>
                 <a:latin typeface="Consolas" panose="020B0609020204030204" pitchFamily="49" charset="0"/>
-                <a:cs typeface="Consolas" panose="020B0609020204030204" pitchFamily="49" charset="0"/>
               </a:rPr>
               <a:t>Methodology</a:t>
             </a:r>
-            <a:endParaRPr lang="en-US" sz="2400" b="1">
+            <a:endParaRPr lang="en-US" sz="2400" b="1" dirty="0">
               <a:solidFill>
                 <a:schemeClr val="accent1"/>
               </a:solidFill>
               <a:latin typeface="Consolas" panose="020B0609020204030204" pitchFamily="49" charset="0"/>
-              <a:cs typeface="Consolas" panose="020B0609020204030204" pitchFamily="49" charset="0"/>
               <a:sym typeface="Archivo ExtraBold"/>
             </a:endParaRPr>
           </a:p>
@@ -42397,7 +42386,7 @@
                 <a:schemeClr val="accent6"/>
               </a:buClr>
             </a:pPr>
-            <a:endParaRPr lang="en-US" sz="1600" b="1">
+            <a:endParaRPr lang="en-US" sz="1600" b="1" dirty="0">
               <a:solidFill>
                 <a:schemeClr val="accent1"/>
               </a:solidFill>
@@ -42415,34 +42404,37 @@
               <a:buChar char="•"/>
             </a:pPr>
             <a:r>
-              <a:rPr lang="en-US" sz="1600" b="1">
+              <a:rPr lang="it-IT" sz="1600" b="1" dirty="0">
                 <a:solidFill>
                   <a:schemeClr val="accent1"/>
                 </a:solidFill>
                 <a:latin typeface="Consolas" panose="020B0609020204030204" pitchFamily="49" charset="0"/>
-                <a:cs typeface="Consolas" panose="020B0609020204030204" pitchFamily="49" charset="0"/>
-                <a:sym typeface="Archivo ExtraBold"/>
               </a:rPr>
-              <a:t>MongoDB </a:t>
-            </a:r>
-            <a:r>
-              <a:rPr lang="en-US" sz="1600">
+              <a:t>Sandbox</a:t>
+            </a:r>
+            <a:r>
+              <a:rPr lang="it-IT" sz="1600" dirty="0">
                 <a:solidFill>
                   <a:schemeClr val="accent1"/>
                 </a:solidFill>
                 <a:latin typeface="Consolas" panose="020B0609020204030204" pitchFamily="49" charset="0"/>
-                <a:cs typeface="Consolas" panose="020B0609020204030204" pitchFamily="49" charset="0"/>
-                <a:sym typeface="Archivo ExtraBold"/>
               </a:rPr>
-              <a:t>query to get data ready for analysis</a:t>
-            </a:r>
-            <a:endParaRPr lang="en-US" sz="1600" b="1">
+              <a:t> on </a:t>
+            </a:r>
+            <a:r>
+              <a:rPr lang="it-IT" sz="1600" b="1" dirty="0" err="1">
+                <a:solidFill>
+                  <a:schemeClr val="accent1"/>
+                </a:solidFill>
+                <a:latin typeface="Consolas" panose="020B0609020204030204" pitchFamily="49" charset="0"/>
+              </a:rPr>
+              <a:t>MongoDB</a:t>
+            </a:r>
+            <a:endParaRPr lang="it-IT" sz="1600" b="1" dirty="0">
               <a:solidFill>
                 <a:schemeClr val="accent1"/>
               </a:solidFill>
               <a:latin typeface="Consolas" panose="020B0609020204030204" pitchFamily="49" charset="0"/>
-              <a:cs typeface="Consolas" panose="020B0609020204030204" pitchFamily="49" charset="0"/>
-              <a:sym typeface="Archivo ExtraBold"/>
             </a:endParaRPr>
           </a:p>
           <a:p>
@@ -42453,13 +42445,11 @@
               <a:buFont typeface="Arial" panose="020B0604020202020204" pitchFamily="34" charset="0"/>
               <a:buChar char="•"/>
             </a:pPr>
-            <a:endParaRPr lang="en-US" sz="1600">
+            <a:endParaRPr lang="it-IT" sz="1600" dirty="0">
               <a:solidFill>
                 <a:schemeClr val="accent1"/>
               </a:solidFill>
               <a:latin typeface="Consolas" panose="020B0609020204030204" pitchFamily="49" charset="0"/>
-              <a:cs typeface="Consolas" panose="020B0609020204030204" pitchFamily="49" charset="0"/>
-              <a:sym typeface="Archivo ExtraBold"/>
             </a:endParaRPr>
           </a:p>
           <a:p>
@@ -42471,34 +42461,28 @@
               <a:buChar char="•"/>
             </a:pPr>
             <a:r>
-              <a:rPr lang="en-US" sz="1600" b="1">
+              <a:rPr lang="it-IT" sz="1600" dirty="0">
                 <a:solidFill>
                   <a:schemeClr val="accent1"/>
                 </a:solidFill>
                 <a:latin typeface="Consolas" panose="020B0609020204030204" pitchFamily="49" charset="0"/>
-                <a:cs typeface="Consolas" panose="020B0609020204030204" pitchFamily="49" charset="0"/>
-                <a:sym typeface="Archivo ExtraBold"/>
               </a:rPr>
-              <a:t>SciPy </a:t>
-            </a:r>
-            <a:r>
-              <a:rPr lang="en-US" sz="1600">
-                <a:solidFill>
-                  <a:schemeClr val="accent1"/>
-                </a:solidFill>
-                <a:latin typeface="Consolas" panose="020B0609020204030204" pitchFamily="49" charset="0"/>
-                <a:cs typeface="Consolas" panose="020B0609020204030204" pitchFamily="49" charset="0"/>
-                <a:sym typeface="Archivo ExtraBold"/>
-              </a:rPr>
-              <a:t>to compute metrics</a:t>
-            </a:r>
-            <a:endParaRPr lang="en-US" sz="1600" b="1">
+              <a:t>Random sample </a:t>
+            </a:r>
+          </a:p>
+          <a:p>
+            <a:pPr marL="342900" indent="-342900">
+              <a:buClr>
+                <a:schemeClr val="accent6"/>
+              </a:buClr>
+              <a:buFont typeface="Arial" panose="020B0604020202020204" pitchFamily="34" charset="0"/>
+              <a:buChar char="•"/>
+            </a:pPr>
+            <a:endParaRPr lang="it-IT" sz="1600" dirty="0">
               <a:solidFill>
                 <a:schemeClr val="accent1"/>
               </a:solidFill>
               <a:latin typeface="Consolas" panose="020B0609020204030204" pitchFamily="49" charset="0"/>
-              <a:cs typeface="Consolas" panose="020B0609020204030204" pitchFamily="49" charset="0"/>
-              <a:sym typeface="Archivo ExtraBold"/>
             </a:endParaRPr>
           </a:p>
           <a:p>
@@ -42509,123 +42493,31 @@
               <a:buFont typeface="Arial" panose="020B0604020202020204" pitchFamily="34" charset="0"/>
               <a:buChar char="•"/>
             </a:pPr>
-            <a:endParaRPr lang="en-US" sz="1600">
+            <a:r>
+              <a:rPr lang="it-IT" sz="1600" b="1" dirty="0">
+                <a:solidFill>
+                  <a:schemeClr val="accent1"/>
+                </a:solidFill>
+                <a:latin typeface="Consolas" panose="020B0609020204030204" pitchFamily="49" charset="0"/>
+              </a:rPr>
+              <a:t>Rappresentative</a:t>
+            </a:r>
+            <a:r>
+              <a:rPr lang="it-IT" sz="1600" dirty="0">
+                <a:solidFill>
+                  <a:schemeClr val="accent1"/>
+                </a:solidFill>
+                <a:latin typeface="Consolas" panose="020B0609020204030204" pitchFamily="49" charset="0"/>
+              </a:rPr>
+              <a:t> subset</a:t>
+            </a:r>
+            <a:endParaRPr lang="it-IT" sz="1600" b="0" i="1" dirty="0">
               <a:solidFill>
-                <a:schemeClr val="accent1"/>
+                <a:schemeClr val="accent6"/>
               </a:solidFill>
               <a:latin typeface="Consolas" panose="020B0609020204030204" pitchFamily="49" charset="0"/>
               <a:cs typeface="Consolas" panose="020B0609020204030204" pitchFamily="49" charset="0"/>
-              <a:sym typeface="Archivo ExtraBold"/>
             </a:endParaRPr>
-          </a:p>
-          <a:p>
-            <a:pPr marL="342900" indent="-342900">
-              <a:buClr>
-                <a:schemeClr val="accent6"/>
-              </a:buClr>
-              <a:buFont typeface="Arial" panose="020B0604020202020204" pitchFamily="34" charset="0"/>
-              <a:buChar char="•"/>
-            </a:pPr>
-            <a:r>
-              <a:rPr lang="en-US" sz="1600" b="1">
-                <a:solidFill>
-                  <a:schemeClr val="accent1"/>
-                </a:solidFill>
-                <a:latin typeface="Consolas" panose="020B0609020204030204" pitchFamily="49" charset="0"/>
-                <a:cs typeface="Consolas" panose="020B0609020204030204" pitchFamily="49" charset="0"/>
-                <a:sym typeface="Archivo ExtraBold"/>
-              </a:rPr>
-              <a:t>Pandas </a:t>
-            </a:r>
-            <a:r>
-              <a:rPr lang="en-US" sz="1600">
-                <a:solidFill>
-                  <a:schemeClr val="accent1"/>
-                </a:solidFill>
-                <a:latin typeface="Consolas" panose="020B0609020204030204" pitchFamily="49" charset="0"/>
-                <a:cs typeface="Consolas" panose="020B0609020204030204" pitchFamily="49" charset="0"/>
-                <a:sym typeface="Archivo ExtraBold"/>
-              </a:rPr>
-              <a:t>data manipulation</a:t>
-            </a:r>
-            <a:endParaRPr lang="en-US" sz="1600" b="1">
-              <a:solidFill>
-                <a:schemeClr val="accent1"/>
-              </a:solidFill>
-              <a:latin typeface="Consolas" panose="020B0609020204030204" pitchFamily="49" charset="0"/>
-              <a:cs typeface="Consolas" panose="020B0609020204030204" pitchFamily="49" charset="0"/>
-              <a:sym typeface="Archivo ExtraBold"/>
-            </a:endParaRPr>
-          </a:p>
-          <a:p>
-            <a:pPr marL="342900" indent="-342900">
-              <a:buClr>
-                <a:schemeClr val="accent6"/>
-              </a:buClr>
-              <a:buFont typeface="Arial" panose="020B0604020202020204" pitchFamily="34" charset="0"/>
-              <a:buChar char="•"/>
-            </a:pPr>
-            <a:endParaRPr lang="en-US" sz="1600">
-              <a:solidFill>
-                <a:schemeClr val="accent1"/>
-              </a:solidFill>
-              <a:latin typeface="Consolas" panose="020B0609020204030204" pitchFamily="49" charset="0"/>
-              <a:cs typeface="Consolas" panose="020B0609020204030204" pitchFamily="49" charset="0"/>
-              <a:sym typeface="Archivo ExtraBold"/>
-            </a:endParaRPr>
-          </a:p>
-          <a:p>
-            <a:pPr marL="342900" indent="-342900">
-              <a:buClr>
-                <a:schemeClr val="accent6"/>
-              </a:buClr>
-              <a:buFont typeface="Arial" panose="020B0604020202020204" pitchFamily="34" charset="0"/>
-              <a:buChar char="•"/>
-            </a:pPr>
-            <a:r>
-              <a:rPr lang="en-US" sz="1600" b="1">
-                <a:solidFill>
-                  <a:schemeClr val="accent1"/>
-                </a:solidFill>
-                <a:latin typeface="Consolas" panose="020B0609020204030204" pitchFamily="49" charset="0"/>
-                <a:cs typeface="Consolas" panose="020B0609020204030204" pitchFamily="49" charset="0"/>
-                <a:sym typeface="Archivo ExtraBold"/>
-              </a:rPr>
-              <a:t>Seaborn</a:t>
-            </a:r>
-            <a:r>
-              <a:rPr lang="en-US" sz="1600">
-                <a:solidFill>
-                  <a:schemeClr val="accent1"/>
-                </a:solidFill>
-                <a:latin typeface="Consolas" panose="020B0609020204030204" pitchFamily="49" charset="0"/>
-                <a:cs typeface="Consolas" panose="020B0609020204030204" pitchFamily="49" charset="0"/>
-                <a:sym typeface="Archivo ExtraBold"/>
-              </a:rPr>
-              <a:t> and </a:t>
-            </a:r>
-            <a:r>
-              <a:rPr lang="en-US" sz="1600" b="1">
-                <a:solidFill>
-                  <a:schemeClr val="accent1"/>
-                </a:solidFill>
-                <a:latin typeface="Consolas" panose="020B0609020204030204" pitchFamily="49" charset="0"/>
-                <a:cs typeface="Consolas" panose="020B0609020204030204" pitchFamily="49" charset="0"/>
-                <a:sym typeface="Archivo ExtraBold"/>
-              </a:rPr>
-              <a:t>Matplotlib</a:t>
-            </a:r>
-            <a:r>
-              <a:rPr lang="en-US" sz="1600">
-                <a:solidFill>
-                  <a:schemeClr val="accent1"/>
-                </a:solidFill>
-                <a:latin typeface="Consolas" panose="020B0609020204030204" pitchFamily="49" charset="0"/>
-                <a:cs typeface="Consolas" panose="020B0609020204030204" pitchFamily="49" charset="0"/>
-                <a:sym typeface="Archivo ExtraBold"/>
-              </a:rPr>
-              <a:t> for graphs</a:t>
-            </a:r>
           </a:p>
           <a:p>
             <a:pPr marL="285750" indent="-285750">
@@ -42635,7 +42527,7 @@
               <a:buFont typeface="Arial" panose="020B0604020202020204" pitchFamily="34" charset="0"/>
               <a:buChar char="•"/>
             </a:pPr>
-            <a:endParaRPr lang="it-IT" sz="1600" b="0" i="1">
+            <a:endParaRPr lang="it-IT" sz="1600" b="0" i="1" dirty="0">
               <a:solidFill>
                 <a:schemeClr val="accent6"/>
               </a:solidFill>
@@ -44553,7 +44445,7 @@
               </a:buClr>
             </a:pPr>
             <a:r>
-              <a:rPr lang="en-US" sz="2400" b="1">
+              <a:rPr lang="en-US" sz="2400" b="1" dirty="0">
                 <a:solidFill>
                   <a:schemeClr val="accent1"/>
                 </a:solidFill>
@@ -44562,7 +44454,7 @@
               </a:rPr>
               <a:t>Methodology</a:t>
             </a:r>
-            <a:endParaRPr lang="en-US" sz="2400" b="1">
+            <a:endParaRPr lang="en-US" sz="2400" b="1" dirty="0">
               <a:solidFill>
                 <a:schemeClr val="accent1"/>
               </a:solidFill>
@@ -44577,7 +44469,7 @@
                 <a:schemeClr val="accent6"/>
               </a:buClr>
             </a:pPr>
-            <a:endParaRPr lang="en-US" sz="1600" b="1">
+            <a:endParaRPr lang="en-US" sz="1600" b="1" dirty="0">
               <a:solidFill>
                 <a:schemeClr val="accent1"/>
               </a:solidFill>
@@ -44595,7 +44487,7 @@
               <a:buChar char="•"/>
             </a:pPr>
             <a:r>
-              <a:rPr lang="en-US" sz="1600" b="1">
+              <a:rPr lang="en-US" sz="1600" b="1" dirty="0">
                 <a:solidFill>
                   <a:schemeClr val="accent1"/>
                 </a:solidFill>
@@ -44606,7 +44498,7 @@
               <a:t>MongoDB </a:t>
             </a:r>
             <a:r>
-              <a:rPr lang="en-US" sz="1600">
+              <a:rPr lang="en-US" sz="1600" dirty="0">
                 <a:solidFill>
                   <a:schemeClr val="accent1"/>
                 </a:solidFill>
@@ -44616,7 +44508,7 @@
               </a:rPr>
               <a:t>query to get data ready for analysis</a:t>
             </a:r>
-            <a:endParaRPr lang="en-US" sz="1600" b="1">
+            <a:endParaRPr lang="en-US" sz="1600" b="1" dirty="0">
               <a:solidFill>
                 <a:schemeClr val="accent1"/>
               </a:solidFill>
@@ -44633,7 +44525,7 @@
               <a:buFont typeface="Arial" panose="020B0604020202020204" pitchFamily="34" charset="0"/>
               <a:buChar char="•"/>
             </a:pPr>
-            <a:endParaRPr lang="en-US" sz="1600">
+            <a:endParaRPr lang="en-US" sz="1600" dirty="0">
               <a:solidFill>
                 <a:schemeClr val="accent1"/>
               </a:solidFill>
@@ -44651,7 +44543,7 @@
               <a:buChar char="•"/>
             </a:pPr>
             <a:r>
-              <a:rPr lang="en-US" sz="1600" b="1">
+              <a:rPr lang="en-US" sz="1600" b="1" dirty="0">
                 <a:solidFill>
                   <a:schemeClr val="accent1"/>
                 </a:solidFill>
@@ -44662,7 +44554,7 @@
               <a:t>SciPy </a:t>
             </a:r>
             <a:r>
-              <a:rPr lang="en-US" sz="1600">
+              <a:rPr lang="en-US" sz="1600" dirty="0">
                 <a:solidFill>
                   <a:schemeClr val="accent1"/>
                 </a:solidFill>
@@ -44672,7 +44564,7 @@
               </a:rPr>
               <a:t>to compute metrics</a:t>
             </a:r>
-            <a:endParaRPr lang="en-US" sz="1600" b="1">
+            <a:endParaRPr lang="en-US" sz="1600" b="1" dirty="0">
               <a:solidFill>
                 <a:schemeClr val="accent1"/>
               </a:solidFill>
@@ -44689,7 +44581,7 @@
               <a:buFont typeface="Arial" panose="020B0604020202020204" pitchFamily="34" charset="0"/>
               <a:buChar char="•"/>
             </a:pPr>
-            <a:endParaRPr lang="en-US" sz="1600">
+            <a:endParaRPr lang="en-US" sz="1600" dirty="0">
               <a:solidFill>
                 <a:schemeClr val="accent1"/>
               </a:solidFill>
@@ -44707,7 +44599,7 @@
               <a:buChar char="•"/>
             </a:pPr>
             <a:r>
-              <a:rPr lang="en-US" sz="1600" b="1">
+              <a:rPr lang="en-US" sz="1600" b="1" dirty="0">
                 <a:solidFill>
                   <a:schemeClr val="accent1"/>
                 </a:solidFill>
@@ -44718,7 +44610,7 @@
               <a:t>Pandas </a:t>
             </a:r>
             <a:r>
-              <a:rPr lang="en-US" sz="1600">
+              <a:rPr lang="en-US" sz="1600" dirty="0">
                 <a:solidFill>
                   <a:schemeClr val="accent1"/>
                 </a:solidFill>
@@ -44728,7 +44620,7 @@
               </a:rPr>
               <a:t>data manipulation</a:t>
             </a:r>
-            <a:endParaRPr lang="en-US" sz="1600" b="1">
+            <a:endParaRPr lang="en-US" sz="1600" b="1" dirty="0">
               <a:solidFill>
                 <a:schemeClr val="accent1"/>
               </a:solidFill>
@@ -44745,7 +44637,7 @@
               <a:buFont typeface="Arial" panose="020B0604020202020204" pitchFamily="34" charset="0"/>
               <a:buChar char="•"/>
             </a:pPr>
-            <a:endParaRPr lang="en-US" sz="1600">
+            <a:endParaRPr lang="en-US" sz="1600" dirty="0">
               <a:solidFill>
                 <a:schemeClr val="accent1"/>
               </a:solidFill>
@@ -44763,7 +44655,7 @@
               <a:buChar char="•"/>
             </a:pPr>
             <a:r>
-              <a:rPr lang="en-US" sz="1600" b="1">
+              <a:rPr lang="en-US" sz="1600" b="1" dirty="0">
                 <a:solidFill>
                   <a:schemeClr val="accent1"/>
                 </a:solidFill>
@@ -44774,7 +44666,7 @@
               <a:t>Seaborn</a:t>
             </a:r>
             <a:r>
-              <a:rPr lang="en-US" sz="1600">
+              <a:rPr lang="en-US" sz="1600" dirty="0">
                 <a:solidFill>
                   <a:schemeClr val="accent1"/>
                 </a:solidFill>
@@ -44785,7 +44677,7 @@
               <a:t> and </a:t>
             </a:r>
             <a:r>
-              <a:rPr lang="en-US" sz="1600" b="1">
+              <a:rPr lang="en-US" sz="1600" b="1" dirty="0">
                 <a:solidFill>
                   <a:schemeClr val="accent1"/>
                 </a:solidFill>
@@ -44796,7 +44688,7 @@
               <a:t>Matplotlib</a:t>
             </a:r>
             <a:r>
-              <a:rPr lang="en-US" sz="1600">
+              <a:rPr lang="en-US" sz="1600" dirty="0">
                 <a:solidFill>
                   <a:schemeClr val="accent1"/>
                 </a:solidFill>
@@ -44815,7 +44707,7 @@
               <a:buFont typeface="Arial" panose="020B0604020202020204" pitchFamily="34" charset="0"/>
               <a:buChar char="•"/>
             </a:pPr>
-            <a:endParaRPr lang="it-IT" sz="1600" b="0" i="1">
+            <a:endParaRPr lang="it-IT" sz="1600" b="0" i="1" dirty="0">
               <a:solidFill>
                 <a:schemeClr val="accent6"/>
               </a:solidFill>
